--- a/Intro to Arduino.pptx
+++ b/Intro to Arduino.pptx
@@ -3177,6 +3177,13 @@
             <a:r>
               <a:rPr lang="en-US" dirty="0" err="1" smtClean="0"/>
               <a:t>Hackerspace</a:t>
+            </a:r>
+            <a:endParaRPr lang="en-US" dirty="0" smtClean="0"/>
+          </a:p>
+          <a:p>
+            <a:r>
+              <a:rPr lang="en-US"/>
+              <a:t>http://goo.gl/e97Eep</a:t>
             </a:r>
             <a:endParaRPr lang="en-US" dirty="0"/>
           </a:p>
